--- a/InfoSec/PPTs/L2-CH02-Cryptographic Tools.pptx
+++ b/InfoSec/PPTs/L2-CH02-Cryptographic Tools.pptx
@@ -337,7 +337,7 @@
             <a:fld id="{999DDEF9-8F79-3F4A-8C1A-CB2E900DCD92}" type="datetimeFigureOut">
               <a:rPr lang="en-US" smtClean="0"/>
               <a:pPr/>
-              <a:t>4/23/2020</a:t>
+              <a:t>4/30/2020</a:t>
             </a:fld>
             <a:endParaRPr lang="en-US"/>
           </a:p>
@@ -14543,10 +14543,10 @@
       </p:sp>
       <p:pic>
         <p:nvPicPr>
-          <p:cNvPr id="9" name="Picture 3" descr="f7.pdf">
+          <p:cNvPr id="7" name="Picture 6">
             <a:extLst>
               <a:ext uri="{FF2B5EF4-FFF2-40B4-BE49-F238E27FC236}">
-                <a16:creationId xmlns:a16="http://schemas.microsoft.com/office/drawing/2014/main" id="{62761582-20CD-410C-8D26-2AE59B8A62F7}"/>
+                <a16:creationId xmlns:a16="http://schemas.microsoft.com/office/drawing/2014/main" id="{96EF9182-4FC5-48C7-9291-1C43A419BB8E}"/>
               </a:ext>
             </a:extLst>
           </p:cNvPr>
@@ -14555,30 +14555,20 @@
           </p:cNvPicPr>
           <p:nvPr/>
         </p:nvPicPr>
-        <p:blipFill rotWithShape="1">
+        <p:blipFill>
           <a:blip r:embed="rId3"/>
-          <a:srcRect l="3359" t="1491" r="2367" b="54639"/>
-          <a:stretch/>
+          <a:stretch>
+            <a:fillRect/>
+          </a:stretch>
         </p:blipFill>
-        <p:spPr bwMode="auto">
+        <p:spPr>
           <a:xfrm>
-            <a:off x="1317998" y="2633328"/>
-            <a:ext cx="6695541" cy="4032355"/>
+            <a:off x="1120919" y="2600417"/>
+            <a:ext cx="6902162" cy="4187504"/>
           </a:xfrm>
           <a:prstGeom prst="rect">
             <a:avLst/>
           </a:prstGeom>
-          <a:solidFill>
-            <a:sysClr val="window" lastClr="FFFFFF"/>
-          </a:solidFill>
-          <a:ln w="28575">
-            <a:solidFill>
-              <a:srgbClr val="CC9900"/>
-            </a:solidFill>
-            <a:miter lim="800000"/>
-            <a:headEnd/>
-            <a:tailEnd/>
-          </a:ln>
         </p:spPr>
       </p:pic>
     </p:spTree>
@@ -14748,8 +14738,8 @@
         </p:blipFill>
         <p:spPr>
           <a:xfrm>
-            <a:off x="1309798" y="2621104"/>
-            <a:ext cx="6596411" cy="4166817"/>
+            <a:off x="1205226" y="2604557"/>
+            <a:ext cx="6733547" cy="4253443"/>
           </a:xfrm>
           <a:prstGeom prst="rect">
             <a:avLst/>
@@ -16985,8 +16975,8 @@
           </a:p>
         </p:txBody>
       </p:sp>
-      <mc:AlternateContent xmlns:mc="http://schemas.openxmlformats.org/markup-compatibility/2006">
-        <mc:Choice xmlns:a14="http://schemas.microsoft.com/office/drawing/2010/main" Requires="a14">
+      <mc:AlternateContent xmlns:mc="http://schemas.openxmlformats.org/markup-compatibility/2006" xmlns:a14="http://schemas.microsoft.com/office/drawing/2010/main">
+        <mc:Choice Requires="a14">
           <p:sp>
             <p:nvSpPr>
               <p:cNvPr id="7" name="Content Placeholder 6">
@@ -17183,31 +17173,7 @@
                       <a:rPr lang="en-US" i="1" dirty="0" smtClean="0">
                         <a:latin typeface="Cambria Math" panose="02040503050406030204" pitchFamily="18" charset="0"/>
                       </a:rPr>
-                      <m:t>𝑟</m:t>
-                    </m:r>
-                    <m:r>
-                      <a:rPr lang="en-US" i="1" dirty="0" smtClean="0">
-                        <a:latin typeface="Cambria Math" panose="02040503050406030204" pitchFamily="18" charset="0"/>
-                      </a:rPr>
-                      <m:t>𝑒</m:t>
-                    </m:r>
-                    <m:r>
-                      <a:rPr lang="en-US" i="1" dirty="0" smtClean="0">
-                        <a:latin typeface="Cambria Math" panose="02040503050406030204" pitchFamily="18" charset="0"/>
-                      </a:rPr>
-                      <m:t>𝑐</m:t>
-                    </m:r>
-                    <m:r>
-                      <a:rPr lang="en-US" i="1" dirty="0" smtClean="0">
-                        <a:latin typeface="Cambria Math" panose="02040503050406030204" pitchFamily="18" charset="0"/>
-                      </a:rPr>
-                      <m:t>𝑒𝑖</m:t>
-                    </m:r>
-                    <m:r>
-                      <a:rPr lang="en-US" i="1" dirty="0" smtClean="0">
-                        <a:latin typeface="Cambria Math" panose="02040503050406030204" pitchFamily="18" charset="0"/>
-                      </a:rPr>
-                      <m:t>𝑣𝑒𝑑𝑀</m:t>
+                      <m:t>𝑟𝑒𝑐𝑒𝑖𝑣𝑒𝑑𝑀</m:t>
                     </m:r>
                     <m:r>
                       <a:rPr lang="en-US" i="1" dirty="0">
@@ -17246,7 +17212,7 @@
             </p:txBody>
           </p:sp>
         </mc:Choice>
-        <mc:Fallback>
+        <mc:Fallback xmlns="">
           <p:sp>
             <p:nvSpPr>
               <p:cNvPr id="7" name="Content Placeholder 6">
@@ -17700,8 +17666,8 @@
           </a:p>
         </p:txBody>
       </p:sp>
-      <mc:AlternateContent xmlns:mc="http://schemas.openxmlformats.org/markup-compatibility/2006">
-        <mc:Choice xmlns:a14="http://schemas.microsoft.com/office/drawing/2010/main" Requires="a14">
+      <mc:AlternateContent xmlns:mc="http://schemas.openxmlformats.org/markup-compatibility/2006" xmlns:a14="http://schemas.microsoft.com/office/drawing/2010/main">
+        <mc:Choice Requires="a14">
           <p:sp>
             <p:nvSpPr>
               <p:cNvPr id="3" name="Content Placeholder 2">
@@ -17851,7 +17817,7 @@
             </p:txBody>
           </p:sp>
         </mc:Choice>
-        <mc:Fallback>
+        <mc:Fallback xmlns="">
           <p:sp>
             <p:nvSpPr>
               <p:cNvPr id="3" name="Content Placeholder 2">
@@ -18325,8 +18291,8 @@
           </a:prstGeom>
         </p:spPr>
       </p:pic>
-      <mc:AlternateContent xmlns:mc="http://schemas.openxmlformats.org/markup-compatibility/2006">
-        <mc:Choice xmlns:a14="http://schemas.microsoft.com/office/drawing/2010/main" Requires="a14">
+      <mc:AlternateContent xmlns:mc="http://schemas.openxmlformats.org/markup-compatibility/2006" xmlns:a14="http://schemas.microsoft.com/office/drawing/2010/main">
+        <mc:Choice Requires="a14">
           <p:sp>
             <p:nvSpPr>
               <p:cNvPr id="7" name="Content Placeholder 16">
@@ -19057,7 +19023,7 @@
             </p:txBody>
           </p:sp>
         </mc:Choice>
-        <mc:Fallback>
+        <mc:Fallback xmlns="">
           <p:sp>
             <p:nvSpPr>
               <p:cNvPr id="7" name="Content Placeholder 16">

--- a/InfoSec/PPTs/L2-CH02-Cryptographic Tools.pptx
+++ b/InfoSec/PPTs/L2-CH02-Cryptographic Tools.pptx
@@ -337,7 +337,7 @@
             <a:fld id="{999DDEF9-8F79-3F4A-8C1A-CB2E900DCD92}" type="datetimeFigureOut">
               <a:rPr lang="en-US" smtClean="0"/>
               <a:pPr/>
-              <a:t>4/30/2020</a:t>
+              <a:t>5/4/2021</a:t>
             </a:fld>
             <a:endParaRPr lang="en-US"/>
           </a:p>
@@ -13304,7 +13304,15 @@
           <a:p>
             <a:r>
               <a:rPr lang="en-US" dirty="0"/>
-              <a:t>ZJU 2020</a:t>
+              <a:t>ZJU </a:t>
+            </a:r>
+            <a:r>
+              <a:rPr lang="en-US" dirty="0" smtClean="0"/>
+              <a:t>202</a:t>
+            </a:r>
+            <a:r>
+              <a:rPr lang="en-SE" smtClean="0"/>
+              <a:t>1</a:t>
             </a:r>
             <a:endParaRPr lang="en-SE" dirty="0"/>
           </a:p>

--- a/InfoSec/PPTs/L2-CH02-Cryptographic Tools.pptx
+++ b/InfoSec/PPTs/L2-CH02-Cryptographic Tools.pptx
@@ -337,7 +337,7 @@
             <a:fld id="{999DDEF9-8F79-3F4A-8C1A-CB2E900DCD92}" type="datetimeFigureOut">
               <a:rPr lang="en-US" smtClean="0"/>
               <a:pPr/>
-              <a:t>4/30/2020</a:t>
+              <a:t>5/4/2021</a:t>
             </a:fld>
             <a:endParaRPr lang="en-US"/>
           </a:p>
@@ -13303,8 +13303,8 @@
           <a:lstStyle/>
           <a:p>
             <a:r>
-              <a:rPr lang="en-US" dirty="0"/>
-              <a:t>ZJU 2020</a:t>
+              <a:rPr lang="en-US"/>
+              <a:t>ZJU 2021</a:t>
             </a:r>
             <a:endParaRPr lang="en-SE" dirty="0"/>
           </a:p>

--- a/InfoSec/PPTs/L2-CH02-Cryptographic Tools.pptx
+++ b/InfoSec/PPTs/L2-CH02-Cryptographic Tools.pptx
@@ -337,7 +337,7 @@
             <a:fld id="{999DDEF9-8F79-3F4A-8C1A-CB2E900DCD92}" type="datetimeFigureOut">
               <a:rPr lang="en-US" smtClean="0"/>
               <a:pPr/>
-              <a:t>5/4/2021</a:t>
+              <a:t>3/24/2022</a:t>
             </a:fld>
             <a:endParaRPr lang="en-US"/>
           </a:p>
@@ -13303,10 +13303,21 @@
           <a:lstStyle/>
           <a:p>
             <a:r>
-              <a:rPr lang="en-US"/>
-              <a:t>ZJU 2021</a:t>
-            </a:r>
-            <a:endParaRPr lang="en-SE" dirty="0"/>
+              <a:rPr lang="en-US" altLang="zh-CN" kern="0" dirty="0"/>
+              <a:t>Zonghua Gu</a:t>
+            </a:r>
+            <a:endParaRPr lang="en-US" kern="0" dirty="0"/>
+          </a:p>
+          <a:p>
+            <a:r>
+              <a:rPr lang="en-US" kern="0"/>
+              <a:t>2018</a:t>
+            </a:r>
+            <a:r>
+              <a:rPr lang="en-US" kern="0" dirty="0"/>
+              <a:t>, ZJU</a:t>
+            </a:r>
+            <a:endParaRPr lang="en-SE" kern="0" dirty="0"/>
           </a:p>
         </p:txBody>
       </p:sp>

--- a/InfoSec/PPTs/L2-CH02-Cryptographic Tools.pptx
+++ b/InfoSec/PPTs/L2-CH02-Cryptographic Tools.pptx
@@ -337,7 +337,7 @@
             <a:fld id="{999DDEF9-8F79-3F4A-8C1A-CB2E900DCD92}" type="datetimeFigureOut">
               <a:rPr lang="en-US" smtClean="0"/>
               <a:pPr/>
-              <a:t>3/24/2022</a:t>
+              <a:t>3/27/2022</a:t>
             </a:fld>
             <a:endParaRPr lang="en-US"/>
           </a:p>
@@ -13311,11 +13311,11 @@
           <a:p>
             <a:r>
               <a:rPr lang="en-US" kern="0"/>
-              <a:t>2018</a:t>
+              <a:t>2017, </a:t>
             </a:r>
             <a:r>
               <a:rPr lang="en-US" kern="0" dirty="0"/>
-              <a:t>, ZJU</a:t>
+              <a:t>ZJU</a:t>
             </a:r>
             <a:endParaRPr lang="en-SE" kern="0" dirty="0"/>
           </a:p>
